--- a/展示结果/最终.pptx
+++ b/展示结果/最终.pptx
@@ -5629,7 +5629,15 @@
             </a:r>
             <a:r>
               <a:rPr lang="en-US" altLang="zh-CN" dirty="0" err="1"/>
-              <a:t>element_blnk</a:t>
+              <a:t>element</a:t>
+            </a:r>
+            <a:r>
+              <a:rPr lang="en-US" altLang="zh-CN" err="1"/>
+              <a:t>_</a:t>
+            </a:r>
+            <a:r>
+              <a:rPr lang="en-US" altLang="zh-CN"/>
+              <a:t>blank</a:t>
             </a:r>
             <a:r>
               <a:rPr lang="en-US" altLang="zh-CN" dirty="0"/>
@@ -6051,12 +6059,16 @@
           <a:lstStyle/>
           <a:p>
             <a:r>
-              <a:rPr lang="zh-CN" altLang="en-US" sz="2800" dirty="0">
+              <a:rPr lang="zh-CN" altLang="en-US" sz="2800">
                 <a:latin typeface="华文楷体" panose="02010600040101010101" pitchFamily="2" charset="-122"/>
                 <a:ea typeface="华文楷体" panose="02010600040101010101" pitchFamily="2" charset="-122"/>
               </a:rPr>
-              <a:t>去掉图例</a:t>
-            </a:r>
+              <a:t>更改图例</a:t>
+            </a:r>
+            <a:endParaRPr lang="zh-CN" altLang="en-US" sz="2800" dirty="0">
+              <a:latin typeface="华文楷体" panose="02010600040101010101" pitchFamily="2" charset="-122"/>
+              <a:ea typeface="华文楷体" panose="02010600040101010101" pitchFamily="2" charset="-122"/>
+            </a:endParaRPr>
           </a:p>
         </p:txBody>
       </p:sp>
@@ -7130,14 +7142,12 @@
           <a:lstStyle/>
           <a:p>
             <a:r>
-              <a:rPr lang="en-US" altLang="zh-CN" dirty="0"/>
-              <a:t>library(ggplot2)</a:t>
-            </a:r>
-          </a:p>
-          <a:p>
-            <a:r>
-              <a:rPr lang="en-US" altLang="zh-CN" dirty="0"/>
-              <a:t>library(ggplot2)</a:t>
+              <a:rPr lang="en-US" altLang="zh-CN"/>
+              <a:t>library</a:t>
+            </a:r>
+            <a:r>
+              <a:rPr lang="en-US" altLang="zh-CN" dirty="0"/>
+              <a:t>(ggplot2)</a:t>
             </a:r>
           </a:p>
           <a:p>
